--- a/TenYeeChern_0381084_CapstoneIPresentation.pptx
+++ b/TenYeeChern_0381084_CapstoneIPresentation.pptx
@@ -222,7 +222,7 @@
           <a:p>
             <a:fld id="{F3DE8E5D-D3A5-3342-8F37-0CCB0B2166DC}" type="datetimeFigureOut">
               <a:rPr lang="en-US" smtClean="0"/>
-              <a:t>11/19/2025</a:t>
+              <a:t>12/19/2025</a:t>
             </a:fld>
             <a:endParaRPr lang="en-US"/>
           </a:p>
@@ -2814,7 +2814,7 @@
             <a:fld id="{B61BEF0D-F0BB-DE4B-95CE-6DB70DBA9567}" type="datetimeFigureOut">
               <a:rPr lang="en-US" dirty="0"/>
               <a:pPr/>
-              <a:t>11/19/2025</a:t>
+              <a:t>12/19/2025</a:t>
             </a:fld>
             <a:endParaRPr lang="en-US" dirty="0"/>
           </a:p>
@@ -3062,7 +3062,7 @@
             <a:fld id="{B61BEF0D-F0BB-DE4B-95CE-6DB70DBA9567}" type="datetimeFigureOut">
               <a:rPr lang="en-US" dirty="0"/>
               <a:pPr/>
-              <a:t>11/19/2025</a:t>
+              <a:t>12/19/2025</a:t>
             </a:fld>
             <a:endParaRPr lang="en-US" dirty="0"/>
           </a:p>
@@ -3373,7 +3373,7 @@
             <a:fld id="{B61BEF0D-F0BB-DE4B-95CE-6DB70DBA9567}" type="datetimeFigureOut">
               <a:rPr lang="en-US" dirty="0"/>
               <a:pPr/>
-              <a:t>11/19/2025</a:t>
+              <a:t>12/19/2025</a:t>
             </a:fld>
             <a:endParaRPr lang="en-US" dirty="0"/>
           </a:p>
@@ -3711,7 +3711,7 @@
             <a:fld id="{B61BEF0D-F0BB-DE4B-95CE-6DB70DBA9567}" type="datetimeFigureOut">
               <a:rPr lang="en-US" dirty="0"/>
               <a:pPr/>
-              <a:t>11/19/2025</a:t>
+              <a:t>12/19/2025</a:t>
             </a:fld>
             <a:endParaRPr lang="en-US" dirty="0"/>
           </a:p>
@@ -4022,7 +4022,7 @@
             <a:fld id="{B61BEF0D-F0BB-DE4B-95CE-6DB70DBA9567}" type="datetimeFigureOut">
               <a:rPr lang="en-US" dirty="0"/>
               <a:pPr/>
-              <a:t>11/19/2025</a:t>
+              <a:t>12/19/2025</a:t>
             </a:fld>
             <a:endParaRPr lang="en-US" dirty="0"/>
           </a:p>
@@ -4412,7 +4412,7 @@
             <a:fld id="{B61BEF0D-F0BB-DE4B-95CE-6DB70DBA9567}" type="datetimeFigureOut">
               <a:rPr lang="en-US" dirty="0"/>
               <a:pPr/>
-              <a:t>11/19/2025</a:t>
+              <a:t>12/19/2025</a:t>
             </a:fld>
             <a:endParaRPr lang="en-US" dirty="0"/>
           </a:p>
@@ -4578,7 +4578,7 @@
           <a:p>
             <a:fld id="{55C6B4A9-1611-4792-9094-5F34BCA07E0B}" type="datetimeFigureOut">
               <a:rPr lang="en-US" dirty="0"/>
-              <a:t>11/19/2025</a:t>
+              <a:t>12/19/2025</a:t>
             </a:fld>
             <a:endParaRPr lang="en-US" dirty="0"/>
           </a:p>
@@ -4754,7 +4754,7 @@
             <a:fld id="{B61BEF0D-F0BB-DE4B-95CE-6DB70DBA9567}" type="datetimeFigureOut">
               <a:rPr lang="en-US" dirty="0"/>
               <a:pPr/>
-              <a:t>11/19/2025</a:t>
+              <a:t>12/19/2025</a:t>
             </a:fld>
             <a:endParaRPr lang="en-US" dirty="0"/>
           </a:p>
@@ -4927,7 +4927,7 @@
             <a:fld id="{B61BEF0D-F0BB-DE4B-95CE-6DB70DBA9567}" type="datetimeFigureOut">
               <a:rPr lang="en-US" dirty="0"/>
               <a:pPr/>
-              <a:t>11/19/2025</a:t>
+              <a:t>12/19/2025</a:t>
             </a:fld>
             <a:endParaRPr lang="en-US" dirty="0"/>
           </a:p>
@@ -5171,7 +5171,7 @@
             <a:fld id="{B61BEF0D-F0BB-DE4B-95CE-6DB70DBA9567}" type="datetimeFigureOut">
               <a:rPr lang="en-US" dirty="0"/>
               <a:pPr/>
-              <a:t>11/19/2025</a:t>
+              <a:t>12/19/2025</a:t>
             </a:fld>
             <a:endParaRPr lang="en-US" dirty="0"/>
           </a:p>
@@ -5399,7 +5399,7 @@
           <a:p>
             <a:fld id="{EB712588-04B1-427B-82EE-E8DB90309F08}" type="datetimeFigureOut">
               <a:rPr lang="en-US" dirty="0"/>
-              <a:t>11/19/2025</a:t>
+              <a:t>12/19/2025</a:t>
             </a:fld>
             <a:endParaRPr lang="en-US" dirty="0"/>
           </a:p>
@@ -5769,7 +5769,7 @@
             <a:fld id="{B61BEF0D-F0BB-DE4B-95CE-6DB70DBA9567}" type="datetimeFigureOut">
               <a:rPr lang="en-US" dirty="0"/>
               <a:pPr/>
-              <a:t>11/19/2025</a:t>
+              <a:t>12/19/2025</a:t>
             </a:fld>
             <a:endParaRPr lang="en-US" dirty="0"/>
           </a:p>
@@ -5889,7 +5889,7 @@
             <a:fld id="{B61BEF0D-F0BB-DE4B-95CE-6DB70DBA9567}" type="datetimeFigureOut">
               <a:rPr lang="en-US" dirty="0"/>
               <a:pPr/>
-              <a:t>11/19/2025</a:t>
+              <a:t>12/19/2025</a:t>
             </a:fld>
             <a:endParaRPr lang="en-US" dirty="0"/>
           </a:p>
@@ -5981,7 +5981,7 @@
             <a:fld id="{B61BEF0D-F0BB-DE4B-95CE-6DB70DBA9567}" type="datetimeFigureOut">
               <a:rPr lang="en-US" dirty="0"/>
               <a:pPr/>
-              <a:t>11/19/2025</a:t>
+              <a:t>12/19/2025</a:t>
             </a:fld>
             <a:endParaRPr lang="en-US" dirty="0"/>
           </a:p>
@@ -6232,7 +6232,7 @@
           <a:p>
             <a:fld id="{42A54C80-263E-416B-A8E0-580EDEADCBDC}" type="datetimeFigureOut">
               <a:rPr lang="en-US" dirty="0"/>
-              <a:t>11/19/2025</a:t>
+              <a:t>12/19/2025</a:t>
             </a:fld>
             <a:endParaRPr lang="en-US" dirty="0"/>
           </a:p>
@@ -6491,7 +6491,7 @@
             <a:fld id="{B61BEF0D-F0BB-DE4B-95CE-6DB70DBA9567}" type="datetimeFigureOut">
               <a:rPr lang="en-US" dirty="0"/>
               <a:pPr/>
-              <a:t>11/19/2025</a:t>
+              <a:t>12/19/2025</a:t>
             </a:fld>
             <a:endParaRPr lang="en-US" dirty="0"/>
           </a:p>
@@ -7231,7 +7231,7 @@
             <a:fld id="{B61BEF0D-F0BB-DE4B-95CE-6DB70DBA9567}" type="datetimeFigureOut">
               <a:rPr lang="en-US" dirty="0"/>
               <a:pPr/>
-              <a:t>11/19/2025</a:t>
+              <a:t>12/19/2025</a:t>
             </a:fld>
             <a:endParaRPr lang="en-US" dirty="0"/>
           </a:p>
@@ -10794,7 +10794,7 @@
         </p:spPr>
         <p:txBody>
           <a:bodyPr>
-            <a:normAutofit/>
+            <a:normAutofit lnSpcReduction="10000"/>
           </a:bodyPr>
           <a:lstStyle/>
           <a:p>
@@ -10806,13 +10806,31 @@
           <a:p>
             <a:r>
               <a:rPr lang="en-MY" dirty="0"/>
-              <a:t>Model: TCN &amp; GRU-TCN</a:t>
+              <a:t>Model: TCN</a:t>
             </a:r>
           </a:p>
           <a:p>
             <a:r>
               <a:rPr lang="en-MY" dirty="0"/>
-              <a:t>Criterion: Binary Cross-Entropy (BCE) (consider implementing weight if unbalanced)</a:t>
+              <a:t>Criterion: </a:t>
+            </a:r>
+          </a:p>
+          <a:p>
+            <a:pPr lvl="1"/>
+            <a:r>
+              <a:rPr lang="en-MY" dirty="0"/>
+              <a:t>Binary Cross-Entropy (BCE) </a:t>
+            </a:r>
+            <a:r>
+              <a:rPr lang="en-US" altLang="zh-CN" dirty="0"/>
+              <a:t>with positive weight</a:t>
+            </a:r>
+          </a:p>
+          <a:p>
+            <a:pPr lvl="1"/>
+            <a:r>
+              <a:rPr lang="en-US" altLang="zh-CN" dirty="0"/>
+              <a:t>Focal Loss</a:t>
             </a:r>
           </a:p>
           <a:p>
@@ -10848,7 +10866,7 @@
             </a:r>
             <a:r>
               <a:rPr lang="en-GB" dirty="0"/>
-              <a:t> &amp; One-hot encode</a:t>
+              <a:t> &amp; sum of 60 time steps’(seconds) one-hot encode</a:t>
             </a:r>
             <a:r>
               <a:rPr lang="en-GB" i="1" dirty="0"/>
@@ -10867,7 +10885,7 @@
             </a:r>
             <a:r>
               <a:rPr lang="en-GB" dirty="0"/>
-              <a:t> of floors (0/1)</a:t>
+              <a:t> of each floor in 1 hour</a:t>
             </a:r>
           </a:p>
           <a:p>
@@ -10882,7 +10900,7 @@
             </a:pPr>
             <a:r>
               <a:rPr lang="en-US" dirty="0"/>
-              <a:t>One-hot encode </a:t>
+              <a:t>Collapsed one-hot encode </a:t>
             </a:r>
             <a:r>
               <a:rPr lang="en-US" b="1" i="1" dirty="0">
@@ -10901,7 +10919,7 @@
             </a:r>
             <a:r>
               <a:rPr lang="en-US" dirty="0"/>
-              <a:t>of floors (0/1) in the future time window</a:t>
+              <a:t>of floors (0/1) in the future time window (5 minutes)</a:t>
             </a:r>
           </a:p>
           <a:p>
@@ -10909,12 +10927,6 @@
               <a:rPr lang="en-MY" dirty="0"/>
               <a:t> Evaluation: Accuracy, Precision, Recall</a:t>
             </a:r>
-          </a:p>
-          <a:p>
-            <a:pPr marL="0" indent="0">
-              <a:buNone/>
-            </a:pPr>
-            <a:endParaRPr lang="en-MY" dirty="0"/>
           </a:p>
         </p:txBody>
       </p:sp>
